--- a/Application Video/VIdeo Link.pptx
+++ b/Application Video/VIdeo Link.pptx
@@ -14,14 +14,14 @@
   <p:notesSz cx="6858000" cy="9144000"/>
   <p:embeddedFontLst>
     <p:embeddedFont>
-      <p:font typeface="Montserrat" panose="020B0604020202020204" charset="0"/>
+      <p:font typeface="Lato" panose="020B0604020202020204" charset="0"/>
       <p:regular r:id="rId4"/>
       <p:bold r:id="rId5"/>
       <p:italic r:id="rId6"/>
       <p:boldItalic r:id="rId7"/>
     </p:embeddedFont>
     <p:embeddedFont>
-      <p:font typeface="Lato" panose="020B0604020202020204" charset="0"/>
+      <p:font typeface="Montserrat" panose="020B0604020202020204" charset="0"/>
       <p:regular r:id="rId8"/>
       <p:bold r:id="rId9"/>
       <p:italic r:id="rId10"/>
@@ -10758,7 +10758,7 @@
         <p14:flip dir="l"/>
       </p:transition>
     </mc:Choice>
-    <mc:Fallback xmlns="" xmlns:mv="urn:schemas-microsoft-com:mac:vml" xmlns:c="http://schemas.openxmlformats.org/drawingml/2006/chart" xmlns:dgm="http://schemas.openxmlformats.org/drawingml/2006/diagram" xmlns:o="urn:schemas-microsoft-com:office:office" xmlns:v="urn:schemas-microsoft-com:vml" xmlns:pvml="urn:schemas-microsoft-com:office:powerpoint" xmlns:com="http://schemas.openxmlformats.org/drawingml/2006/compatibility" xmlns:p15="http://schemas.microsoft.com/office/powerpoint/2012/main">
+    <mc:Fallback xmlns:p15="http://schemas.microsoft.com/office/powerpoint/2012/main" xmlns:com="http://schemas.openxmlformats.org/drawingml/2006/compatibility" xmlns:pvml="urn:schemas-microsoft-com:office:powerpoint" xmlns:v="urn:schemas-microsoft-com:vml" xmlns:o="urn:schemas-microsoft-com:office:office" xmlns:dgm="http://schemas.openxmlformats.org/drawingml/2006/diagram" xmlns:c="http://schemas.openxmlformats.org/drawingml/2006/chart" xmlns:mv="urn:schemas-microsoft-com:mac:vml" xmlns="">
       <p:transition spd="slow">
         <p:fade/>
       </p:transition>
@@ -11561,7 +11561,7 @@
                 <a:sym typeface="Montserrat"/>
                 <a:hlinkClick r:id="rId3"/>
               </a:rPr>
-              <a:t>Click on this to see the video submission</a:t>
+              <a:t>Click on the link to view</a:t>
             </a:r>
             <a:r>
               <a:rPr lang="en-US" dirty="0" smtClean="0">
@@ -11573,7 +11573,19 @@
                 <a:cs typeface="Montserrat"/>
                 <a:sym typeface="Montserrat"/>
               </a:rPr>
-              <a:t> [Enable Slideshow to click]</a:t>
+              <a:t> [Enable </a:t>
+            </a:r>
+            <a:r>
+              <a:rPr lang="en-US" dirty="0" smtClean="0">
+                <a:solidFill>
+                  <a:schemeClr val="lt1"/>
+                </a:solidFill>
+                <a:latin typeface="Montserrat"/>
+                <a:ea typeface="Montserrat"/>
+                <a:cs typeface="Montserrat"/>
+                <a:sym typeface="Montserrat"/>
+              </a:rPr>
+              <a:t>Slideshow to click]</a:t>
             </a:r>
             <a:endParaRPr lang="en-US" dirty="0">
               <a:solidFill>
@@ -11654,18 +11666,6 @@
           <a:p>
             <a:pPr lvl="0" algn="ctr"/>
             <a:r>
-              <a:rPr lang="en-US" dirty="0" smtClean="0">
-                <a:solidFill>
-                  <a:schemeClr val="lt1"/>
-                </a:solidFill>
-                <a:latin typeface="Montserrat"/>
-                <a:ea typeface="Montserrat"/>
-                <a:cs typeface="Montserrat"/>
-                <a:sym typeface="Montserrat"/>
-              </a:rPr>
-              <a:t>https</a:t>
-            </a:r>
-            <a:r>
               <a:rPr lang="en-US" dirty="0">
                 <a:solidFill>
                   <a:schemeClr val="lt1"/>
@@ -11675,8 +11675,17 @@
                 <a:cs typeface="Montserrat"/>
                 <a:sym typeface="Montserrat"/>
               </a:rPr>
-              <a:t>://drive.google.com/file/d/1OgQnbWJ7-xZtM16Fxh1mCJKKVxR8hytj/view?usp=sharing</a:t>
+              <a:t>https://drive.google.com/file/d/1GH1xctP2Iq04VtAN7dJz2v9XQOyNxnd8/view?usp=sharing</a:t>
             </a:r>
+            <a:endParaRPr lang="en-US" dirty="0">
+              <a:solidFill>
+                <a:schemeClr val="lt1"/>
+              </a:solidFill>
+              <a:latin typeface="Montserrat"/>
+              <a:ea typeface="Montserrat"/>
+              <a:cs typeface="Montserrat"/>
+              <a:sym typeface="Montserrat"/>
+            </a:endParaRPr>
           </a:p>
         </p:txBody>
       </p:sp>

--- a/Application Video/VIdeo Link.pptx
+++ b/Application Video/VIdeo Link.pptx
@@ -10758,7 +10758,7 @@
         <p14:flip dir="l"/>
       </p:transition>
     </mc:Choice>
-    <mc:Fallback xmlns:p15="http://schemas.microsoft.com/office/powerpoint/2012/main" xmlns:com="http://schemas.openxmlformats.org/drawingml/2006/compatibility" xmlns:pvml="urn:schemas-microsoft-com:office:powerpoint" xmlns:v="urn:schemas-microsoft-com:vml" xmlns:o="urn:schemas-microsoft-com:office:office" xmlns:dgm="http://schemas.openxmlformats.org/drawingml/2006/diagram" xmlns:c="http://schemas.openxmlformats.org/drawingml/2006/chart" xmlns:mv="urn:schemas-microsoft-com:mac:vml" xmlns="">
+    <mc:Fallback xmlns="" xmlns:mv="urn:schemas-microsoft-com:mac:vml" xmlns:c="http://schemas.openxmlformats.org/drawingml/2006/chart" xmlns:dgm="http://schemas.openxmlformats.org/drawingml/2006/diagram" xmlns:o="urn:schemas-microsoft-com:office:office" xmlns:v="urn:schemas-microsoft-com:vml" xmlns:pvml="urn:schemas-microsoft-com:office:powerpoint" xmlns:com="http://schemas.openxmlformats.org/drawingml/2006/compatibility" xmlns:p15="http://schemas.microsoft.com/office/powerpoint/2012/main">
       <p:transition spd="slow">
         <p:fade/>
       </p:transition>
@@ -11486,7 +11486,7 @@
         </p:nvSpPr>
         <p:spPr>
           <a:xfrm>
-            <a:off x="-167447" y="393750"/>
+            <a:off x="293139" y="393750"/>
             <a:ext cx="8503847" cy="914100"/>
           </a:xfrm>
           <a:prstGeom prst="rect">
@@ -11573,19 +11573,7 @@
                 <a:cs typeface="Montserrat"/>
                 <a:sym typeface="Montserrat"/>
               </a:rPr>
-              <a:t> [Enable </a:t>
-            </a:r>
-            <a:r>
-              <a:rPr lang="en-US" dirty="0" smtClean="0">
-                <a:solidFill>
-                  <a:schemeClr val="lt1"/>
-                </a:solidFill>
-                <a:latin typeface="Montserrat"/>
-                <a:ea typeface="Montserrat"/>
-                <a:cs typeface="Montserrat"/>
-                <a:sym typeface="Montserrat"/>
-              </a:rPr>
-              <a:t>Slideshow to click]</a:t>
+              <a:t> [Enable Slideshow to click]</a:t>
             </a:r>
             <a:endParaRPr lang="en-US" dirty="0">
               <a:solidFill>
@@ -11664,28 +11652,16 @@
             </a:endParaRPr>
           </a:p>
           <a:p>
-            <a:pPr lvl="0" algn="ctr"/>
+            <a:pPr algn="ctr"/>
             <a:r>
-              <a:rPr lang="en-US" dirty="0">
+              <a:rPr lang="en-IN" dirty="0">
                 <a:solidFill>
-                  <a:schemeClr val="lt1"/>
+                  <a:schemeClr val="bg1"/>
                 </a:solidFill>
-                <a:latin typeface="Montserrat"/>
-                <a:ea typeface="Montserrat"/>
-                <a:cs typeface="Montserrat"/>
-                <a:sym typeface="Montserrat"/>
+                <a:latin typeface="Montserrat" panose="020B0604020202020204" charset="0"/>
               </a:rPr>
-              <a:t>https://drive.google.com/file/d/1GH1xctP2Iq04VtAN7dJz2v9XQOyNxnd8/view?usp=sharing</a:t>
+              <a:t>https://drive.google.com/file/d/1XrEIHd_xgEL8drOYr5jBfPP322HTJPom/view?usp=sharing</a:t>
             </a:r>
-            <a:endParaRPr lang="en-US" dirty="0">
-              <a:solidFill>
-                <a:schemeClr val="lt1"/>
-              </a:solidFill>
-              <a:latin typeface="Montserrat"/>
-              <a:ea typeface="Montserrat"/>
-              <a:cs typeface="Montserrat"/>
-              <a:sym typeface="Montserrat"/>
-            </a:endParaRPr>
           </a:p>
         </p:txBody>
       </p:sp>
